--- a/HackathonPresentation_Skeleton.pptx
+++ b/HackathonPresentation_Skeleton.pptx
@@ -17159,7 +17159,12 @@
             <p:ph type="ftr" sz="quarter" idx="16"/>
           </p:nvPr>
         </p:nvSpPr>
-        <p:spPr/>
+        <p:spPr>
+          <a:xfrm>
+            <a:off x="440081" y="4810812"/>
+            <a:ext cx="3909281" cy="273844"/>
+          </a:xfrm>
+        </p:spPr>
         <p:txBody>
           <a:bodyPr/>
           <a:lstStyle/>
@@ -17661,6 +17666,44 @@
               </a:rPr>
               <a:t>Simple Interface</a:t>
             </a:r>
+          </a:p>
+        </p:txBody>
+      </p:sp>
+      <p:sp>
+        <p:nvSpPr>
+          <p:cNvPr id="10" name="TextBox 9">
+            <a:extLst>
+              <a:ext uri="{FF2B5EF4-FFF2-40B4-BE49-F238E27FC236}">
+                <a16:creationId xmlns:a16="http://schemas.microsoft.com/office/drawing/2014/main" id="{ECB57B63-8014-85DB-5975-4851C6DFE2A5}"/>
+              </a:ext>
+            </a:extLst>
+          </p:cNvPr>
+          <p:cNvSpPr txBox="1"/>
+          <p:nvPr/>
+        </p:nvSpPr>
+        <p:spPr bwMode="gray">
+          <a:xfrm>
+            <a:off x="2646686" y="1536780"/>
+            <a:ext cx="3405352" cy="715581"/>
+          </a:xfrm>
+          <a:prstGeom prst="rect">
+            <a:avLst/>
+          </a:prstGeom>
+          <a:noFill/>
+        </p:spPr>
+        <p:txBody>
+          <a:bodyPr wrap="square">
+            <a:spAutoFit/>
+          </a:bodyPr>
+          <a:lstStyle/>
+          <a:p>
+            <a:r>
+              <a:rPr lang="en-IN" dirty="0">
+                <a:hlinkClick r:id="rId2"/>
+              </a:rPr>
+              <a:t>https://drive.google.com/drive/folders/1uJTz6FqlROzZmZBIy4-2ZN8k6jgm6DJq?usp=sharing</a:t>
+            </a:r>
+            <a:endParaRPr lang="en-IN" dirty="0"/>
           </a:p>
         </p:txBody>
       </p:sp>

--- a/HackathonPresentation_Skeleton.pptx
+++ b/HackathonPresentation_Skeleton.pptx
@@ -17574,7 +17574,7 @@
               <a:rPr lang="en-IN" b="1" dirty="0">
                 <a:latin typeface="Raleway" pitchFamily="2" charset="0"/>
               </a:rPr>
-              <a:t>Functional Requirements -</a:t>
+              <a:t>Admin Flow -</a:t>
             </a:r>
           </a:p>
           <a:p>
@@ -17647,24 +17647,6 @@
                 <a:latin typeface="Raleway" pitchFamily="2" charset="0"/>
               </a:rPr>
               <a:t>Track Conversion</a:t>
-            </a:r>
-          </a:p>
-          <a:p>
-            <a:pPr marL="285750" indent="-285750">
-              <a:lnSpc>
-                <a:spcPct val="100000"/>
-              </a:lnSpc>
-              <a:spcBef>
-                <a:spcPts val="0"/>
-              </a:spcBef>
-              <a:buFont typeface="Arial" panose="020B0604020202020204" pitchFamily="34" charset="0"/>
-              <a:buChar char="•"/>
-            </a:pPr>
-            <a:r>
-              <a:rPr lang="en-IN" dirty="0">
-                <a:latin typeface="Raleway" pitchFamily="2" charset="0"/>
-              </a:rPr>
-              <a:t>Simple Interface</a:t>
             </a:r>
           </a:p>
         </p:txBody>
@@ -17704,6 +17686,266 @@
               <a:t>https://drive.google.com/drive/folders/1uJTz6FqlROzZmZBIy4-2ZN8k6jgm6DJq?usp=sharing</a:t>
             </a:r>
             <a:endParaRPr lang="en-IN" dirty="0"/>
+          </a:p>
+        </p:txBody>
+      </p:sp>
+      <p:sp>
+        <p:nvSpPr>
+          <p:cNvPr id="11" name="Text Placeholder 5">
+            <a:extLst>
+              <a:ext uri="{FF2B5EF4-FFF2-40B4-BE49-F238E27FC236}">
+                <a16:creationId xmlns:a16="http://schemas.microsoft.com/office/drawing/2014/main" id="{CA6D648F-3018-BE81-808D-96902358C75D}"/>
+              </a:ext>
+            </a:extLst>
+          </p:cNvPr>
+          <p:cNvSpPr txBox="1">
+            <a:spLocks/>
+          </p:cNvSpPr>
+          <p:nvPr/>
+        </p:nvSpPr>
+        <p:spPr bwMode="gray">
+          <a:xfrm>
+            <a:off x="2266830" y="3212139"/>
+            <a:ext cx="2721731" cy="823833"/>
+          </a:xfrm>
+          <a:prstGeom prst="rect">
+            <a:avLst/>
+          </a:prstGeom>
+        </p:spPr>
+        <p:txBody>
+          <a:bodyPr vert="horz" lIns="91440" tIns="45720" rIns="0" bIns="45720" rtlCol="0" anchor="t" anchorCtr="0">
+            <a:noAutofit/>
+          </a:bodyPr>
+          <a:lstStyle>
+            <a:lvl1pPr marL="0" indent="0" algn="l" defTabSz="685783" rtl="0" eaLnBrk="1" latinLnBrk="0" hangingPunct="1">
+              <a:lnSpc>
+                <a:spcPct val="90000"/>
+              </a:lnSpc>
+              <a:spcBef>
+                <a:spcPts val="1200"/>
+              </a:spcBef>
+              <a:buFont typeface="Mark Offc For MC" panose="020B0504020101010102" pitchFamily="34" charset="0"/>
+              <a:buNone/>
+              <a:defRPr sz="1400" b="0" kern="1200">
+                <a:solidFill>
+                  <a:schemeClr val="tx1"/>
+                </a:solidFill>
+                <a:latin typeface="Mark Offc For MC" panose="020B0504020101010102" pitchFamily="34" charset="0"/>
+                <a:ea typeface="+mn-ea"/>
+                <a:cs typeface="+mn-cs"/>
+              </a:defRPr>
+            </a:lvl1pPr>
+            <a:lvl2pPr marL="342891" indent="0" algn="l" defTabSz="685783" rtl="0" eaLnBrk="1" latinLnBrk="0" hangingPunct="1">
+              <a:lnSpc>
+                <a:spcPct val="90000"/>
+              </a:lnSpc>
+              <a:spcBef>
+                <a:spcPts val="200"/>
+              </a:spcBef>
+              <a:buFont typeface="Mark Offc For MC" panose="020B0504020101010102" pitchFamily="34" charset="0"/>
+              <a:buNone/>
+              <a:defRPr sz="1500" b="1" kern="1200">
+                <a:solidFill>
+                  <a:schemeClr val="tx1"/>
+                </a:solidFill>
+                <a:latin typeface="+mn-lt"/>
+                <a:ea typeface="+mn-ea"/>
+                <a:cs typeface="+mn-cs"/>
+              </a:defRPr>
+            </a:lvl2pPr>
+            <a:lvl3pPr marL="685783" indent="0" algn="l" defTabSz="685783" rtl="0" eaLnBrk="1" latinLnBrk="0" hangingPunct="1">
+              <a:lnSpc>
+                <a:spcPct val="90000"/>
+              </a:lnSpc>
+              <a:spcBef>
+                <a:spcPts val="300"/>
+              </a:spcBef>
+              <a:buFont typeface="Mark Offc For MC" panose="020B0504020101010102" pitchFamily="34" charset="0"/>
+              <a:buNone/>
+              <a:defRPr sz="1351" b="1" kern="1200">
+                <a:solidFill>
+                  <a:schemeClr val="tx1"/>
+                </a:solidFill>
+                <a:latin typeface="+mn-lt"/>
+                <a:ea typeface="+mn-ea"/>
+                <a:cs typeface="+mn-cs"/>
+              </a:defRPr>
+            </a:lvl3pPr>
+            <a:lvl4pPr marL="1028674" indent="0" algn="l" defTabSz="685783" rtl="0" eaLnBrk="1" latinLnBrk="0" hangingPunct="1">
+              <a:lnSpc>
+                <a:spcPct val="90000"/>
+              </a:lnSpc>
+              <a:spcBef>
+                <a:spcPts val="300"/>
+              </a:spcBef>
+              <a:buFont typeface="Mark Offc For MC" panose="020B0504020101010102" pitchFamily="34" charset="0"/>
+              <a:buNone/>
+              <a:defRPr sz="1200" b="1" kern="1200">
+                <a:solidFill>
+                  <a:schemeClr val="tx1"/>
+                </a:solidFill>
+                <a:latin typeface="+mn-lt"/>
+                <a:ea typeface="+mn-ea"/>
+                <a:cs typeface="+mn-cs"/>
+              </a:defRPr>
+            </a:lvl4pPr>
+            <a:lvl5pPr marL="1371566" indent="0" algn="l" defTabSz="685783" rtl="0" eaLnBrk="1" latinLnBrk="0" hangingPunct="1">
+              <a:lnSpc>
+                <a:spcPct val="90000"/>
+              </a:lnSpc>
+              <a:spcBef>
+                <a:spcPts val="300"/>
+              </a:spcBef>
+              <a:buFont typeface="Mark Offc For MC" panose="020B0504020101010102" pitchFamily="34" charset="0"/>
+              <a:buNone/>
+              <a:defRPr sz="1200" b="1" kern="1200">
+                <a:solidFill>
+                  <a:schemeClr val="tx1"/>
+                </a:solidFill>
+                <a:latin typeface="+mn-lt"/>
+                <a:ea typeface="+mn-ea"/>
+                <a:cs typeface="+mn-cs"/>
+              </a:defRPr>
+            </a:lvl5pPr>
+            <a:lvl6pPr marL="1714457" indent="0" algn="l" defTabSz="685783" rtl="0" eaLnBrk="1" latinLnBrk="0" hangingPunct="1">
+              <a:lnSpc>
+                <a:spcPct val="90000"/>
+              </a:lnSpc>
+              <a:spcBef>
+                <a:spcPts val="375"/>
+              </a:spcBef>
+              <a:buFont typeface="Mark Offc For MC" panose="020B0604020202020204" pitchFamily="34" charset="0"/>
+              <a:buNone/>
+              <a:defRPr sz="1200" b="1" kern="1200">
+                <a:solidFill>
+                  <a:schemeClr val="tx1"/>
+                </a:solidFill>
+                <a:latin typeface="+mn-lt"/>
+                <a:ea typeface="+mn-ea"/>
+                <a:cs typeface="+mn-cs"/>
+              </a:defRPr>
+            </a:lvl6pPr>
+            <a:lvl7pPr marL="2057349" indent="0" algn="l" defTabSz="685783" rtl="0" eaLnBrk="1" latinLnBrk="0" hangingPunct="1">
+              <a:lnSpc>
+                <a:spcPct val="90000"/>
+              </a:lnSpc>
+              <a:spcBef>
+                <a:spcPts val="375"/>
+              </a:spcBef>
+              <a:buFont typeface="Mark Offc For MC" panose="020B0604020202020204" pitchFamily="34" charset="0"/>
+              <a:buNone/>
+              <a:defRPr sz="1200" b="1" kern="1200">
+                <a:solidFill>
+                  <a:schemeClr val="tx1"/>
+                </a:solidFill>
+                <a:latin typeface="+mn-lt"/>
+                <a:ea typeface="+mn-ea"/>
+                <a:cs typeface="+mn-cs"/>
+              </a:defRPr>
+            </a:lvl7pPr>
+            <a:lvl8pPr marL="2400240" indent="0" algn="l" defTabSz="685783" rtl="0" eaLnBrk="1" latinLnBrk="0" hangingPunct="1">
+              <a:lnSpc>
+                <a:spcPct val="90000"/>
+              </a:lnSpc>
+              <a:spcBef>
+                <a:spcPts val="375"/>
+              </a:spcBef>
+              <a:buFont typeface="Mark Offc For MC" panose="020B0604020202020204" pitchFamily="34" charset="0"/>
+              <a:buNone/>
+              <a:defRPr sz="1200" b="1" kern="1200">
+                <a:solidFill>
+                  <a:schemeClr val="tx1"/>
+                </a:solidFill>
+                <a:latin typeface="+mn-lt"/>
+                <a:ea typeface="+mn-ea"/>
+                <a:cs typeface="+mn-cs"/>
+              </a:defRPr>
+            </a:lvl8pPr>
+            <a:lvl9pPr marL="2743131" indent="0" algn="l" defTabSz="685783" rtl="0" eaLnBrk="1" latinLnBrk="0" hangingPunct="1">
+              <a:lnSpc>
+                <a:spcPct val="90000"/>
+              </a:lnSpc>
+              <a:spcBef>
+                <a:spcPts val="375"/>
+              </a:spcBef>
+              <a:buFont typeface="Mark Offc For MC" panose="020B0604020202020204" pitchFamily="34" charset="0"/>
+              <a:buNone/>
+              <a:defRPr sz="1200" b="1" kern="1200">
+                <a:solidFill>
+                  <a:schemeClr val="tx1"/>
+                </a:solidFill>
+                <a:latin typeface="+mn-lt"/>
+                <a:ea typeface="+mn-ea"/>
+                <a:cs typeface="+mn-cs"/>
+              </a:defRPr>
+            </a:lvl9pPr>
+          </a:lstStyle>
+          <a:p>
+            <a:pPr>
+              <a:lnSpc>
+                <a:spcPct val="100000"/>
+              </a:lnSpc>
+              <a:spcBef>
+                <a:spcPts val="0"/>
+              </a:spcBef>
+            </a:pPr>
+            <a:r>
+              <a:rPr lang="en-IN" b="1" dirty="0">
+                <a:latin typeface="Raleway" pitchFamily="2" charset="0"/>
+              </a:rPr>
+              <a:t>User Flow -</a:t>
+            </a:r>
+          </a:p>
+          <a:p>
+            <a:pPr marL="285750" indent="-285750">
+              <a:lnSpc>
+                <a:spcPct val="100000"/>
+              </a:lnSpc>
+              <a:spcBef>
+                <a:spcPts val="0"/>
+              </a:spcBef>
+              <a:buFont typeface="Arial" panose="020B0604020202020204" pitchFamily="34" charset="0"/>
+              <a:buChar char="•"/>
+            </a:pPr>
+            <a:r>
+              <a:rPr lang="en-IN" dirty="0">
+                <a:latin typeface="Raleway" pitchFamily="2" charset="0"/>
+              </a:rPr>
+              <a:t>Register for Events</a:t>
+            </a:r>
+          </a:p>
+          <a:p>
+            <a:pPr marL="285750" indent="-285750">
+              <a:lnSpc>
+                <a:spcPct val="100000"/>
+              </a:lnSpc>
+              <a:spcBef>
+                <a:spcPts val="0"/>
+              </a:spcBef>
+              <a:buFont typeface="Arial" panose="020B0604020202020204" pitchFamily="34" charset="0"/>
+              <a:buChar char="•"/>
+            </a:pPr>
+            <a:r>
+              <a:rPr lang="en-IN" dirty="0">
+                <a:latin typeface="Raleway" pitchFamily="2" charset="0"/>
+              </a:rPr>
+              <a:t>Responsive UI</a:t>
+            </a:r>
+          </a:p>
+          <a:p>
+            <a:pPr marL="285750" indent="-285750">
+              <a:lnSpc>
+                <a:spcPct val="100000"/>
+              </a:lnSpc>
+              <a:spcBef>
+                <a:spcPts val="0"/>
+              </a:spcBef>
+              <a:buFont typeface="Arial" panose="020B0604020202020204" pitchFamily="34" charset="0"/>
+              <a:buChar char="•"/>
+            </a:pPr>
+            <a:endParaRPr lang="en-IN" dirty="0">
+              <a:latin typeface="Raleway" pitchFamily="2" charset="0"/>
+            </a:endParaRPr>
           </a:p>
         </p:txBody>
       </p:sp>

--- a/HackathonPresentation_Skeleton.pptx
+++ b/HackathonPresentation_Skeleton.pptx
@@ -17666,7 +17666,7 @@
         <p:spPr bwMode="gray">
           <a:xfrm>
             <a:off x="2646686" y="1536780"/>
-            <a:ext cx="3405352" cy="715581"/>
+            <a:ext cx="3405352" cy="923330"/>
           </a:xfrm>
           <a:prstGeom prst="rect">
             <a:avLst/>
@@ -17683,7 +17683,7 @@
               <a:rPr lang="en-IN" dirty="0">
                 <a:hlinkClick r:id="rId2"/>
               </a:rPr>
-              <a:t>https://drive.google.com/drive/folders/1uJTz6FqlROzZmZBIy4-2ZN8k6jgm6DJq?usp=sharing</a:t>
+              <a:t>https://github.com/Mastercard-Code-For-Change-2-0/Team-8/blob/main/Screen%20Recording%202025-08-25%20171956.mp4</a:t>
             </a:r>
             <a:endParaRPr lang="en-IN" dirty="0"/>
           </a:p>
